--- a/fall-project.pptx
+++ b/fall-project.pptx
@@ -9,9 +9,11 @@
     <p:sldId id="257" r:id="rId3"/>
     <p:sldId id="258" r:id="rId4"/>
     <p:sldId id="259" r:id="rId5"/>
-    <p:sldId id="260" r:id="rId6"/>
-    <p:sldId id="261" r:id="rId7"/>
-    <p:sldId id="262" r:id="rId8"/>
+    <p:sldId id="263" r:id="rId6"/>
+    <p:sldId id="260" r:id="rId7"/>
+    <p:sldId id="264" r:id="rId8"/>
+    <p:sldId id="261" r:id="rId9"/>
+    <p:sldId id="262" r:id="rId10"/>
   </p:sldIdLst>
   <p:sldSz cx="9144000" cy="6858000" type="screen4x3"/>
   <p:notesSz cx="6858000" cy="9144000"/>
@@ -294,7 +296,7 @@
           <a:p>
             <a:fld id="{EC1C8FF3-77FE-413A-96BC-A7C9CC9FDBDA}" type="datetimeFigureOut">
               <a:rPr lang="en-US" smtClean="0"/>
-              <a:t>11/28/2011</a:t>
+              <a:t>12/6/2011</a:t>
             </a:fld>
             <a:endParaRPr lang="en-US"/>
           </a:p>
@@ -464,7 +466,7 @@
           <a:p>
             <a:fld id="{EC1C8FF3-77FE-413A-96BC-A7C9CC9FDBDA}" type="datetimeFigureOut">
               <a:rPr lang="en-US" smtClean="0"/>
-              <a:t>11/28/2011</a:t>
+              <a:t>12/6/2011</a:t>
             </a:fld>
             <a:endParaRPr lang="en-US"/>
           </a:p>
@@ -644,7 +646,7 @@
           <a:p>
             <a:fld id="{EC1C8FF3-77FE-413A-96BC-A7C9CC9FDBDA}" type="datetimeFigureOut">
               <a:rPr lang="en-US" smtClean="0"/>
-              <a:t>11/28/2011</a:t>
+              <a:t>12/6/2011</a:t>
             </a:fld>
             <a:endParaRPr lang="en-US"/>
           </a:p>
@@ -814,7 +816,7 @@
           <a:p>
             <a:fld id="{EC1C8FF3-77FE-413A-96BC-A7C9CC9FDBDA}" type="datetimeFigureOut">
               <a:rPr lang="en-US" smtClean="0"/>
-              <a:t>11/28/2011</a:t>
+              <a:t>12/6/2011</a:t>
             </a:fld>
             <a:endParaRPr lang="en-US"/>
           </a:p>
@@ -1060,7 +1062,7 @@
           <a:p>
             <a:fld id="{EC1C8FF3-77FE-413A-96BC-A7C9CC9FDBDA}" type="datetimeFigureOut">
               <a:rPr lang="en-US" smtClean="0"/>
-              <a:t>11/28/2011</a:t>
+              <a:t>12/6/2011</a:t>
             </a:fld>
             <a:endParaRPr lang="en-US"/>
           </a:p>
@@ -1348,7 +1350,7 @@
           <a:p>
             <a:fld id="{EC1C8FF3-77FE-413A-96BC-A7C9CC9FDBDA}" type="datetimeFigureOut">
               <a:rPr lang="en-US" smtClean="0"/>
-              <a:t>11/28/2011</a:t>
+              <a:t>12/6/2011</a:t>
             </a:fld>
             <a:endParaRPr lang="en-US"/>
           </a:p>
@@ -1770,7 +1772,7 @@
           <a:p>
             <a:fld id="{EC1C8FF3-77FE-413A-96BC-A7C9CC9FDBDA}" type="datetimeFigureOut">
               <a:rPr lang="en-US" smtClean="0"/>
-              <a:t>11/28/2011</a:t>
+              <a:t>12/6/2011</a:t>
             </a:fld>
             <a:endParaRPr lang="en-US"/>
           </a:p>
@@ -1888,7 +1890,7 @@
           <a:p>
             <a:fld id="{EC1C8FF3-77FE-413A-96BC-A7C9CC9FDBDA}" type="datetimeFigureOut">
               <a:rPr lang="en-US" smtClean="0"/>
-              <a:t>11/28/2011</a:t>
+              <a:t>12/6/2011</a:t>
             </a:fld>
             <a:endParaRPr lang="en-US"/>
           </a:p>
@@ -1983,7 +1985,7 @@
           <a:p>
             <a:fld id="{EC1C8FF3-77FE-413A-96BC-A7C9CC9FDBDA}" type="datetimeFigureOut">
               <a:rPr lang="en-US" smtClean="0"/>
-              <a:t>11/28/2011</a:t>
+              <a:t>12/6/2011</a:t>
             </a:fld>
             <a:endParaRPr lang="en-US"/>
           </a:p>
@@ -2260,7 +2262,7 @@
           <a:p>
             <a:fld id="{EC1C8FF3-77FE-413A-96BC-A7C9CC9FDBDA}" type="datetimeFigureOut">
               <a:rPr lang="en-US" smtClean="0"/>
-              <a:t>11/28/2011</a:t>
+              <a:t>12/6/2011</a:t>
             </a:fld>
             <a:endParaRPr lang="en-US"/>
           </a:p>
@@ -2513,7 +2515,7 @@
           <a:p>
             <a:fld id="{EC1C8FF3-77FE-413A-96BC-A7C9CC9FDBDA}" type="datetimeFigureOut">
               <a:rPr lang="en-US" smtClean="0"/>
-              <a:t>11/28/2011</a:t>
+              <a:t>12/6/2011</a:t>
             </a:fld>
             <a:endParaRPr lang="en-US"/>
           </a:p>
@@ -2726,7 +2728,7 @@
           <a:p>
             <a:fld id="{EC1C8FF3-77FE-413A-96BC-A7C9CC9FDBDA}" type="datetimeFigureOut">
               <a:rPr lang="en-US" smtClean="0"/>
-              <a:t>11/28/2011</a:t>
+              <a:t>12/6/2011</a:t>
             </a:fld>
             <a:endParaRPr lang="en-US"/>
           </a:p>
@@ -3136,21 +3138,125 @@
         </p:nvSpPr>
         <p:spPr/>
         <p:txBody>
-          <a:bodyPr/>
-          <a:lstStyle/>
+          <a:bodyPr>
+            <a:normAutofit fontScale="92500"/>
+          </a:bodyPr>
+          <a:lstStyle/>
+          <a:p>
+            <a:r>
+              <a:rPr lang="en-US" b="1" dirty="0" smtClean="0">
+                <a:solidFill>
+                  <a:schemeClr val="tx1"/>
+                </a:solidFill>
+              </a:rPr>
+              <a:t>Chris Larson &amp; Andy </a:t>
+            </a:r>
+            <a:r>
+              <a:rPr lang="en-US" b="1" dirty="0" smtClean="0">
+                <a:solidFill>
+                  <a:schemeClr val="tx1"/>
+                </a:solidFill>
+              </a:rPr>
+              <a:t>Litzinger</a:t>
+            </a:r>
+          </a:p>
           <a:p>
             <a:r>
               <a:rPr lang="en-US" dirty="0" smtClean="0"/>
-              <a:t>Chris Larson &amp; </a:t>
-            </a:r>
-            <a:r>
-              <a:rPr lang="en-US" smtClean="0"/>
-              <a:t>Andy Litzinger</a:t>
-            </a:r>
-            <a:endParaRPr lang="en-US"/>
-          </a:p>
-        </p:txBody>
-      </p:sp>
+              <a:t>(we’re hiring! Ops, </a:t>
+            </a:r>
+            <a:r>
+              <a:rPr lang="en-US" dirty="0" err="1" smtClean="0"/>
+              <a:t>dev</a:t>
+            </a:r>
+            <a:r>
+              <a:rPr lang="en-US" dirty="0" smtClean="0"/>
+              <a:t>/ops, </a:t>
+            </a:r>
+            <a:r>
+              <a:rPr lang="en-US" dirty="0" err="1" smtClean="0"/>
+              <a:t>dev</a:t>
+            </a:r>
+            <a:r>
+              <a:rPr lang="en-US" dirty="0" smtClean="0"/>
+              <a:t> &amp; QA!)</a:t>
+            </a:r>
+          </a:p>
+          <a:p>
+            <a:r>
+              <a:rPr lang="en-US" sz="2400" dirty="0">
+                <a:hlinkClick r:id="rId2"/>
+              </a:rPr>
+              <a:t>http://www.theplatform.com/about/careers</a:t>
+            </a:r>
+            <a:endParaRPr lang="en-US" sz="2400" dirty="0"/>
+          </a:p>
+        </p:txBody>
+      </p:sp>
+      <p:pic>
+        <p:nvPicPr>
+          <p:cNvPr id="1026" name="Picture 2"/>
+          <p:cNvPicPr>
+            <a:picLocks noChangeAspect="1" noChangeArrowheads="1"/>
+          </p:cNvPicPr>
+          <p:nvPr/>
+        </p:nvPicPr>
+        <p:blipFill>
+          <a:blip r:embed="rId3" cstate="print">
+            <a:extLst>
+              <a:ext uri="{28A0092B-C50C-407E-A947-70E740481C1C}">
+                <a14:useLocalDpi xmlns:a14="http://schemas.microsoft.com/office/drawing/2010/main" val="0"/>
+              </a:ext>
+            </a:extLst>
+          </a:blip>
+          <a:srcRect/>
+          <a:stretch>
+            <a:fillRect/>
+          </a:stretch>
+        </p:blipFill>
+        <p:spPr bwMode="auto">
+          <a:xfrm>
+            <a:off x="2971800" y="5715000"/>
+            <a:ext cx="2667000" cy="640080"/>
+          </a:xfrm>
+          <a:prstGeom prst="rect">
+            <a:avLst/>
+          </a:prstGeom>
+          <a:noFill/>
+          <a:ln>
+            <a:noFill/>
+          </a:ln>
+          <a:effectLst/>
+          <a:extLst>
+            <a:ext uri="{909E8E84-426E-40DD-AFC4-6F175D3DCCD1}">
+              <a14:hiddenFill xmlns:a14="http://schemas.microsoft.com/office/drawing/2010/main">
+                <a:solidFill>
+                  <a:schemeClr val="accent1"/>
+                </a:solidFill>
+              </a14:hiddenFill>
+            </a:ext>
+            <a:ext uri="{91240B29-F687-4F45-9708-019B960494DF}">
+              <a14:hiddenLine xmlns:a14="http://schemas.microsoft.com/office/drawing/2010/main" w="9525">
+                <a:solidFill>
+                  <a:schemeClr val="tx1"/>
+                </a:solidFill>
+                <a:miter lim="800000"/>
+                <a:headEnd/>
+                <a:tailEnd/>
+              </a14:hiddenLine>
+            </a:ext>
+            <a:ext uri="{AF507438-7753-43E0-B8FC-AC1667EBCBE1}">
+              <a14:hiddenEffects xmlns:a14="http://schemas.microsoft.com/office/drawing/2010/main">
+                <a:effectLst>
+                  <a:outerShdw dist="35921" dir="2700000" algn="ctr" rotWithShape="0">
+                    <a:schemeClr val="bg2"/>
+                  </a:outerShdw>
+                </a:effectLst>
+              </a14:hiddenEffects>
+            </a:ext>
+          </a:extLst>
+        </p:spPr>
+      </p:pic>
     </p:spTree>
     <p:extLst>
       <p:ext uri="{BB962C8B-B14F-4D97-AF65-F5344CB8AC3E}">
@@ -3323,23 +3429,8 @@
           <a:p>
             <a:r>
               <a:rPr lang="en-US" dirty="0" smtClean="0"/>
-              <a:t>Use </a:t>
-            </a:r>
-            <a:r>
-              <a:rPr lang="en-US" dirty="0" err="1" smtClean="0"/>
-              <a:t>graphviz</a:t>
-            </a:r>
-            <a:r>
-              <a:rPr lang="en-US" dirty="0" smtClean="0"/>
-              <a:t> gem to create dot file and </a:t>
-            </a:r>
-            <a:r>
-              <a:rPr lang="en-US" dirty="0" err="1" smtClean="0"/>
-              <a:t>png</a:t>
-            </a:r>
-            <a:endParaRPr lang="en-US" dirty="0" smtClean="0"/>
-          </a:p>
-          <a:p>
+              <a:t>Integrate with Sinatra or other web framework</a:t>
+            </a:r>
             <a:endParaRPr lang="en-US" dirty="0"/>
           </a:p>
         </p:txBody>
@@ -3391,7 +3482,12 @@
             <p:ph type="title"/>
           </p:nvPr>
         </p:nvSpPr>
-        <p:spPr/>
+        <p:spPr>
+          <a:xfrm>
+            <a:off x="381000" y="2590800"/>
+            <a:ext cx="8229600" cy="1143000"/>
+          </a:xfrm>
+        </p:spPr>
         <p:txBody>
           <a:bodyPr>
             <a:normAutofit fontScale="90000"/>
@@ -3401,29 +3497,6 @@
             <a:r>
               <a:rPr lang="en-US" dirty="0" smtClean="0"/>
               <a:t>Have you seen this guy around the office?</a:t>
-            </a:r>
-            <a:endParaRPr lang="en-US" dirty="0"/>
-          </a:p>
-        </p:txBody>
-      </p:sp>
-      <p:sp>
-        <p:nvSpPr>
-          <p:cNvPr id="3" name="Content Placeholder 2"/>
-          <p:cNvSpPr>
-            <a:spLocks noGrp="1"/>
-          </p:cNvSpPr>
-          <p:nvPr>
-            <p:ph idx="1"/>
-          </p:nvPr>
-        </p:nvSpPr>
-        <p:spPr/>
-        <p:txBody>
-          <a:bodyPr/>
-          <a:lstStyle/>
-          <a:p>
-            <a:r>
-              <a:rPr lang="en-US" dirty="0" smtClean="0"/>
-              <a:t>&lt;soon to have picture of grimacing Jasper&gt;</a:t>
             </a:r>
             <a:endParaRPr lang="en-US" dirty="0"/>
           </a:p>
@@ -3481,32 +3554,146 @@
           <a:bodyPr/>
           <a:lstStyle/>
           <a:p>
+            <a:endParaRPr lang="en-US"/>
+          </a:p>
+        </p:txBody>
+      </p:sp>
+      <p:sp>
+        <p:nvSpPr>
+          <p:cNvPr id="3" name="Content Placeholder 2"/>
+          <p:cNvSpPr>
+            <a:spLocks noGrp="1"/>
+          </p:cNvSpPr>
+          <p:nvPr>
+            <p:ph idx="1"/>
+          </p:nvPr>
+        </p:nvSpPr>
+        <p:spPr/>
+        <p:txBody>
+          <a:bodyPr/>
+          <a:lstStyle/>
+          <a:p>
+            <a:endParaRPr lang="en-US" dirty="0"/>
+          </a:p>
+        </p:txBody>
+      </p:sp>
+      <p:pic>
+        <p:nvPicPr>
+          <p:cNvPr id="3074" name="Picture 2"/>
+          <p:cNvPicPr>
+            <a:picLocks noChangeAspect="1" noChangeArrowheads="1"/>
+          </p:cNvPicPr>
+          <p:nvPr/>
+        </p:nvPicPr>
+        <p:blipFill>
+          <a:blip r:embed="rId2">
+            <a:extLst>
+              <a:ext uri="{28A0092B-C50C-407E-A947-70E740481C1C}">
+                <a14:useLocalDpi xmlns:a14="http://schemas.microsoft.com/office/drawing/2010/main" val="0"/>
+              </a:ext>
+            </a:extLst>
+          </a:blip>
+          <a:srcRect/>
+          <a:stretch>
+            <a:fillRect/>
+          </a:stretch>
+        </p:blipFill>
+        <p:spPr bwMode="auto">
+          <a:xfrm>
+            <a:off x="252413" y="204788"/>
+            <a:ext cx="8639175" cy="6448425"/>
+          </a:xfrm>
+          <a:prstGeom prst="rect">
+            <a:avLst/>
+          </a:prstGeom>
+          <a:noFill/>
+          <a:ln>
+            <a:noFill/>
+          </a:ln>
+          <a:effectLst/>
+          <a:extLst>
+            <a:ext uri="{909E8E84-426E-40DD-AFC4-6F175D3DCCD1}">
+              <a14:hiddenFill xmlns:a14="http://schemas.microsoft.com/office/drawing/2010/main">
+                <a:solidFill>
+                  <a:schemeClr val="accent1"/>
+                </a:solidFill>
+              </a14:hiddenFill>
+            </a:ext>
+            <a:ext uri="{91240B29-F687-4F45-9708-019B960494DF}">
+              <a14:hiddenLine xmlns:a14="http://schemas.microsoft.com/office/drawing/2010/main" w="9525">
+                <a:solidFill>
+                  <a:schemeClr val="tx1"/>
+                </a:solidFill>
+                <a:miter lim="800000"/>
+                <a:headEnd/>
+                <a:tailEnd/>
+              </a14:hiddenLine>
+            </a:ext>
+            <a:ext uri="{AF507438-7753-43E0-B8FC-AC1667EBCBE1}">
+              <a14:hiddenEffects xmlns:a14="http://schemas.microsoft.com/office/drawing/2010/main">
+                <a:effectLst>
+                  <a:outerShdw dist="35921" dir="2700000" algn="ctr" rotWithShape="0">
+                    <a:schemeClr val="bg2"/>
+                  </a:outerShdw>
+                </a:effectLst>
+              </a14:hiddenEffects>
+            </a:ext>
+          </a:extLst>
+        </p:spPr>
+      </p:pic>
+    </p:spTree>
+    <p:extLst>
+      <p:ext uri="{BB962C8B-B14F-4D97-AF65-F5344CB8AC3E}">
+        <p14:creationId xmlns:p14="http://schemas.microsoft.com/office/powerpoint/2010/main" val="417309785"/>
+      </p:ext>
+    </p:extLst>
+  </p:cSld>
+  <p:clrMapOvr>
+    <a:masterClrMapping/>
+  </p:clrMapOvr>
+</p:sld>
+</file>
+
+<file path=ppt/slides/slide6.xml><?xml version="1.0" encoding="utf-8"?>
+<p:sld xmlns:a="http://schemas.openxmlformats.org/drawingml/2006/main" xmlns:r="http://schemas.openxmlformats.org/officeDocument/2006/relationships" xmlns:p="http://schemas.openxmlformats.org/presentationml/2006/main">
+  <p:cSld>
+    <p:spTree>
+      <p:nvGrpSpPr>
+        <p:cNvPr id="1" name=""/>
+        <p:cNvGrpSpPr/>
+        <p:nvPr/>
+      </p:nvGrpSpPr>
+      <p:grpSpPr>
+        <a:xfrm>
+          <a:off x="0" y="0"/>
+          <a:ext cx="0" cy="0"/>
+          <a:chOff x="0" y="0"/>
+          <a:chExt cx="0" cy="0"/>
+        </a:xfrm>
+      </p:grpSpPr>
+      <p:sp>
+        <p:nvSpPr>
+          <p:cNvPr id="2" name="Title 1"/>
+          <p:cNvSpPr>
+            <a:spLocks noGrp="1"/>
+          </p:cNvSpPr>
+          <p:nvPr>
+            <p:ph type="title"/>
+          </p:nvPr>
+        </p:nvSpPr>
+        <p:spPr>
+          <a:xfrm>
+            <a:off x="381000" y="2590800"/>
+            <a:ext cx="8229600" cy="1143000"/>
+          </a:xfrm>
+        </p:spPr>
+        <p:txBody>
+          <a:bodyPr/>
+          <a:lstStyle/>
+          <a:p>
             <a:r>
               <a:rPr lang="en-US" dirty="0" smtClean="0"/>
-              <a:t>Sometimes this does the trick…</a:t>
-            </a:r>
-            <a:endParaRPr lang="en-US" dirty="0"/>
-          </a:p>
-        </p:txBody>
-      </p:sp>
-      <p:sp>
-        <p:nvSpPr>
-          <p:cNvPr id="3" name="Content Placeholder 2"/>
-          <p:cNvSpPr>
-            <a:spLocks noGrp="1"/>
-          </p:cNvSpPr>
-          <p:nvPr>
-            <p:ph idx="1"/>
-          </p:nvPr>
-        </p:nvSpPr>
-        <p:spPr/>
-        <p:txBody>
-          <a:bodyPr/>
-          <a:lstStyle/>
-          <a:p>
-            <a:r>
-              <a:rPr lang="en-US" dirty="0" smtClean="0"/>
-              <a:t>&lt;soon to have pic of happy Jasper with coffee&gt;</a:t>
+              <a:t>Sometimes coffee does the trick…</a:t>
             </a:r>
             <a:endParaRPr lang="en-US" dirty="0"/>
           </a:p>
@@ -3532,7 +3719,7 @@
 </p:sld>
 </file>
 
-<file path=ppt/slides/slide6.xml><?xml version="1.0" encoding="utf-8"?>
+<file path=ppt/slides/slide7.xml><?xml version="1.0" encoding="utf-8"?>
 <p:sld xmlns:a="http://schemas.openxmlformats.org/drawingml/2006/main" xmlns:r="http://schemas.openxmlformats.org/officeDocument/2006/relationships" xmlns:p="http://schemas.openxmlformats.org/presentationml/2006/main">
   <p:cSld>
     <p:spTree>
@@ -3564,32 +3751,142 @@
           <a:bodyPr/>
           <a:lstStyle/>
           <a:p>
+            <a:endParaRPr lang="en-US"/>
+          </a:p>
+        </p:txBody>
+      </p:sp>
+      <p:sp>
+        <p:nvSpPr>
+          <p:cNvPr id="3" name="Content Placeholder 2"/>
+          <p:cNvSpPr>
+            <a:spLocks noGrp="1"/>
+          </p:cNvSpPr>
+          <p:nvPr>
+            <p:ph idx="1"/>
+          </p:nvPr>
+        </p:nvSpPr>
+        <p:spPr/>
+        <p:txBody>
+          <a:bodyPr/>
+          <a:lstStyle/>
+          <a:p>
+            <a:endParaRPr lang="en-US" dirty="0"/>
+          </a:p>
+        </p:txBody>
+      </p:sp>
+      <p:pic>
+        <p:nvPicPr>
+          <p:cNvPr id="4098" name="Picture 2"/>
+          <p:cNvPicPr>
+            <a:picLocks noChangeAspect="1" noChangeArrowheads="1"/>
+          </p:cNvPicPr>
+          <p:nvPr/>
+        </p:nvPicPr>
+        <p:blipFill>
+          <a:blip r:embed="rId2">
+            <a:extLst>
+              <a:ext uri="{28A0092B-C50C-407E-A947-70E740481C1C}">
+                <a14:useLocalDpi xmlns:a14="http://schemas.microsoft.com/office/drawing/2010/main" val="0"/>
+              </a:ext>
+            </a:extLst>
+          </a:blip>
+          <a:srcRect/>
+          <a:stretch>
+            <a:fillRect/>
+          </a:stretch>
+        </p:blipFill>
+        <p:spPr bwMode="auto">
+          <a:xfrm>
+            <a:off x="252413" y="204788"/>
+            <a:ext cx="8639175" cy="6448425"/>
+          </a:xfrm>
+          <a:prstGeom prst="rect">
+            <a:avLst/>
+          </a:prstGeom>
+          <a:noFill/>
+          <a:ln>
+            <a:noFill/>
+          </a:ln>
+          <a:effectLst/>
+          <a:extLst>
+            <a:ext uri="{909E8E84-426E-40DD-AFC4-6F175D3DCCD1}">
+              <a14:hiddenFill xmlns:a14="http://schemas.microsoft.com/office/drawing/2010/main">
+                <a:solidFill>
+                  <a:schemeClr val="accent1"/>
+                </a:solidFill>
+              </a14:hiddenFill>
+            </a:ext>
+            <a:ext uri="{91240B29-F687-4F45-9708-019B960494DF}">
+              <a14:hiddenLine xmlns:a14="http://schemas.microsoft.com/office/drawing/2010/main" w="9525">
+                <a:solidFill>
+                  <a:schemeClr val="tx1"/>
+                </a:solidFill>
+                <a:miter lim="800000"/>
+                <a:headEnd/>
+                <a:tailEnd/>
+              </a14:hiddenLine>
+            </a:ext>
+            <a:ext uri="{AF507438-7753-43E0-B8FC-AC1667EBCBE1}">
+              <a14:hiddenEffects xmlns:a14="http://schemas.microsoft.com/office/drawing/2010/main">
+                <a:effectLst>
+                  <a:outerShdw dist="35921" dir="2700000" algn="ctr" rotWithShape="0">
+                    <a:schemeClr val="bg2"/>
+                  </a:outerShdw>
+                </a:effectLst>
+              </a14:hiddenEffects>
+            </a:ext>
+          </a:extLst>
+        </p:spPr>
+      </p:pic>
+    </p:spTree>
+    <p:extLst>
+      <p:ext uri="{BB962C8B-B14F-4D97-AF65-F5344CB8AC3E}">
+        <p14:creationId xmlns:p14="http://schemas.microsoft.com/office/powerpoint/2010/main" val="833258631"/>
+      </p:ext>
+    </p:extLst>
+  </p:cSld>
+  <p:clrMapOvr>
+    <a:masterClrMapping/>
+  </p:clrMapOvr>
+</p:sld>
+</file>
+
+<file path=ppt/slides/slide8.xml><?xml version="1.0" encoding="utf-8"?>
+<p:sld xmlns:a="http://schemas.openxmlformats.org/drawingml/2006/main" xmlns:r="http://schemas.openxmlformats.org/officeDocument/2006/relationships" xmlns:p="http://schemas.openxmlformats.org/presentationml/2006/main">
+  <p:cSld>
+    <p:spTree>
+      <p:nvGrpSpPr>
+        <p:cNvPr id="1" name=""/>
+        <p:cNvGrpSpPr/>
+        <p:nvPr/>
+      </p:nvGrpSpPr>
+      <p:grpSpPr>
+        <a:xfrm>
+          <a:off x="0" y="0"/>
+          <a:ext cx="0" cy="0"/>
+          <a:chOff x="0" y="0"/>
+          <a:chExt cx="0" cy="0"/>
+        </a:xfrm>
+      </p:grpSpPr>
+      <p:sp>
+        <p:nvSpPr>
+          <p:cNvPr id="2" name="Title 1"/>
+          <p:cNvSpPr>
+            <a:spLocks noGrp="1"/>
+          </p:cNvSpPr>
+          <p:nvPr>
+            <p:ph type="title"/>
+          </p:nvPr>
+        </p:nvSpPr>
+        <p:spPr/>
+        <p:txBody>
+          <a:bodyPr/>
+          <a:lstStyle/>
+          <a:p>
             <a:r>
               <a:rPr lang="en-US" dirty="0" smtClean="0"/>
               <a:t>But sometimes it ends badly…</a:t>
             </a:r>
-            <a:endParaRPr lang="en-US" dirty="0"/>
-          </a:p>
-        </p:txBody>
-      </p:sp>
-      <p:sp>
-        <p:nvSpPr>
-          <p:cNvPr id="3" name="Content Placeholder 2"/>
-          <p:cNvSpPr>
-            <a:spLocks noGrp="1"/>
-          </p:cNvSpPr>
-          <p:nvPr>
-            <p:ph idx="1"/>
-          </p:nvPr>
-        </p:nvSpPr>
-        <p:spPr/>
-        <p:txBody>
-          <a:bodyPr/>
-          <a:lstStyle/>
-          <a:p>
-            <a:pPr marL="0" indent="0">
-              <a:buNone/>
-            </a:pPr>
             <a:endParaRPr lang="en-US" dirty="0"/>
           </a:p>
         </p:txBody>
@@ -3678,7 +3975,7 @@
 </p:sld>
 </file>
 
-<file path=ppt/slides/slide7.xml><?xml version="1.0" encoding="utf-8"?>
+<file path=ppt/slides/slide9.xml><?xml version="1.0" encoding="utf-8"?>
 <p:sld xmlns:a="http://schemas.openxmlformats.org/drawingml/2006/main" xmlns:r="http://schemas.openxmlformats.org/officeDocument/2006/relationships" xmlns:p="http://schemas.openxmlformats.org/presentationml/2006/main">
   <p:cSld>
     <p:spTree>
